--- a/milestone/Epileptic Seizure Prediction Mile Stone Presentation.pptx
+++ b/milestone/Epileptic Seizure Prediction Mile Stone Presentation.pptx
@@ -4309,8 +4309,17 @@
             <a:pPr lvl="1"/>
             <a:r>
               <a:rPr lang="en-US" dirty="0" smtClean="0"/>
-              <a:t>Takes ~25 minutes to load</a:t>
-            </a:r>
+              <a:t>Takes ~25 minutes to </a:t>
+            </a:r>
+            <a:r>
+              <a:rPr lang="en-US" dirty="0" smtClean="0"/>
+              <a:t>load </a:t>
+            </a:r>
+            <a:r>
+              <a:rPr lang="en-US" smtClean="0"/>
+              <a:t>on smallest dog</a:t>
+            </a:r>
+            <a:endParaRPr lang="en-US" dirty="0" smtClean="0"/>
           </a:p>
           <a:p>
             <a:pPr lvl="1"/>
@@ -4851,7 +4860,6 @@
               <a:rPr lang="en-US" sz="2800" dirty="0" smtClean="0"/>
               <a:t>Prediction allows for smarter decisions and reduced stress</a:t>
             </a:r>
-            <a:endParaRPr lang="en-US" sz="2800" dirty="0" smtClean="0"/>
           </a:p>
           <a:p>
             <a:endParaRPr lang="en-US" sz="2800" dirty="0"/>
@@ -5467,11 +5475,7 @@
           <a:p>
             <a:r>
               <a:rPr lang="en-US" dirty="0" smtClean="0"/>
-              <a:t>Feature </a:t>
-            </a:r>
-            <a:r>
-              <a:rPr lang="en-US" dirty="0" smtClean="0"/>
-              <a:t>Generation (Current)</a:t>
+              <a:t>Feature Generation (Current)</a:t>
             </a:r>
             <a:endParaRPr lang="en-US" dirty="0"/>
           </a:p>

--- a/milestone/Epileptic Seizure Prediction Mile Stone Presentation.pptx
+++ b/milestone/Epileptic Seizure Prediction Mile Stone Presentation.pptx
@@ -5,7 +5,7 @@
     <p:sldMasterId id="2147483798" r:id="rId1"/>
   </p:sldMasterIdLst>
   <p:notesMasterIdLst>
-    <p:notesMasterId r:id="rId16"/>
+    <p:notesMasterId r:id="rId18"/>
   </p:notesMasterIdLst>
   <p:sldIdLst>
     <p:sldId id="258" r:id="rId2"/>
@@ -16,12 +16,14 @@
     <p:sldId id="270" r:id="rId7"/>
     <p:sldId id="262" r:id="rId8"/>
     <p:sldId id="263" r:id="rId9"/>
-    <p:sldId id="271" r:id="rId10"/>
-    <p:sldId id="264" r:id="rId11"/>
-    <p:sldId id="269" r:id="rId12"/>
-    <p:sldId id="265" r:id="rId13"/>
-    <p:sldId id="272" r:id="rId14"/>
-    <p:sldId id="266" r:id="rId15"/>
+    <p:sldId id="274" r:id="rId10"/>
+    <p:sldId id="271" r:id="rId11"/>
+    <p:sldId id="264" r:id="rId12"/>
+    <p:sldId id="269" r:id="rId13"/>
+    <p:sldId id="265" r:id="rId14"/>
+    <p:sldId id="273" r:id="rId15"/>
+    <p:sldId id="272" r:id="rId16"/>
+    <p:sldId id="266" r:id="rId17"/>
   </p:sldIdLst>
   <p:sldSz cx="12192000" cy="6858000"/>
   <p:notesSz cx="6858000" cy="9144000"/>
@@ -3930,7 +3932,7 @@
           <a:p>
             <a:r>
               <a:rPr lang="en-US" dirty="0" smtClean="0"/>
-              <a:t>Neural Network</a:t>
+              <a:t>Feature Generation (Future)</a:t>
             </a:r>
             <a:endParaRPr lang="en-US" dirty="0"/>
           </a:p>
@@ -3954,18 +3956,26 @@
           <a:lstStyle/>
           <a:p>
             <a:r>
-              <a:rPr lang="en-US" sz="3200" dirty="0" err="1" smtClean="0"/>
-              <a:t>Feedfowrard</a:t>
-            </a:r>
-            <a:r>
               <a:rPr lang="en-US" sz="3200" dirty="0" smtClean="0"/>
-              <a:t> Neural Network</a:t>
+              <a:t>Wavelet Transform (decomposition)</a:t>
             </a:r>
           </a:p>
           <a:p>
             <a:r>
               <a:rPr lang="en-US" sz="3200" dirty="0" smtClean="0"/>
-              <a:t>Multi-layer perceptron using back-propagation of error</a:t>
+              <a:t>Increments of Accumulated Energy</a:t>
+            </a:r>
+          </a:p>
+          <a:p>
+            <a:r>
+              <a:rPr lang="en-US" sz="3200" dirty="0" smtClean="0"/>
+              <a:t>Effective Correlation Dimension</a:t>
+            </a:r>
+          </a:p>
+          <a:p>
+            <a:r>
+              <a:rPr lang="en-US" sz="3200" dirty="0" smtClean="0"/>
+              <a:t>Spectral Entropy</a:t>
             </a:r>
             <a:endParaRPr lang="en-US" sz="3200" dirty="0"/>
           </a:p>
@@ -3997,7 +4007,7 @@
     </p:spTree>
     <p:extLst>
       <p:ext uri="{BB962C8B-B14F-4D97-AF65-F5344CB8AC3E}">
-        <p14:creationId xmlns:p14="http://schemas.microsoft.com/office/powerpoint/2010/main" val="101511574"/>
+        <p14:creationId xmlns:p14="http://schemas.microsoft.com/office/powerpoint/2010/main" val="4228409607"/>
       </p:ext>
     </p:extLst>
   </p:cSld>
@@ -4041,7 +4051,7 @@
           <a:p>
             <a:r>
               <a:rPr lang="en-US" dirty="0" smtClean="0"/>
-              <a:t>Judge of Quality</a:t>
+              <a:t>Neural Network</a:t>
             </a:r>
             <a:endParaRPr lang="en-US" dirty="0"/>
           </a:p>
@@ -4065,46 +4075,20 @@
           <a:lstStyle/>
           <a:p>
             <a:r>
-              <a:rPr lang="en-US" sz="3600" dirty="0" smtClean="0"/>
-              <a:t>Sensitivity: how many </a:t>
-            </a:r>
-            <a:r>
-              <a:rPr lang="en-US" sz="3600" dirty="0" err="1" smtClean="0"/>
-              <a:t>preictal</a:t>
-            </a:r>
-            <a:r>
-              <a:rPr lang="en-US" sz="3600" dirty="0" smtClean="0"/>
-              <a:t> segments can we correctly classify?</a:t>
-            </a:r>
-          </a:p>
-          <a:p>
-            <a:pPr lvl="1"/>
-            <a:r>
-              <a:rPr lang="en-US" sz="3600" dirty="0" smtClean="0"/>
-              <a:t>maximize</a:t>
-            </a:r>
-          </a:p>
-          <a:p>
-            <a:r>
-              <a:rPr lang="en-US" sz="3600" dirty="0" smtClean="0"/>
-              <a:t>False Positive Rate: how many </a:t>
-            </a:r>
-            <a:r>
-              <a:rPr lang="en-US" sz="3600" dirty="0" err="1" smtClean="0"/>
-              <a:t>interictal</a:t>
-            </a:r>
-            <a:r>
-              <a:rPr lang="en-US" sz="3600" dirty="0" smtClean="0"/>
-              <a:t> segments are incorrectly classified?</a:t>
-            </a:r>
-          </a:p>
-          <a:p>
-            <a:pPr lvl="1"/>
-            <a:r>
-              <a:rPr lang="en-US" sz="3600" dirty="0" smtClean="0"/>
-              <a:t>minimize</a:t>
-            </a:r>
-            <a:endParaRPr lang="en-US" sz="3600" dirty="0"/>
+              <a:rPr lang="en-US" sz="3200" dirty="0" err="1" smtClean="0"/>
+              <a:t>Feedfowrard</a:t>
+            </a:r>
+            <a:r>
+              <a:rPr lang="en-US" sz="3200" dirty="0" smtClean="0"/>
+              <a:t> Neural Network</a:t>
+            </a:r>
+          </a:p>
+          <a:p>
+            <a:r>
+              <a:rPr lang="en-US" sz="3200" dirty="0" smtClean="0"/>
+              <a:t>Multi-layer perceptron using back-propagation of error</a:t>
+            </a:r>
+            <a:endParaRPr lang="en-US" sz="3200" dirty="0"/>
           </a:p>
         </p:txBody>
       </p:sp>
@@ -4134,7 +4118,7 @@
     </p:spTree>
     <p:extLst>
       <p:ext uri="{BB962C8B-B14F-4D97-AF65-F5344CB8AC3E}">
-        <p14:creationId xmlns:p14="http://schemas.microsoft.com/office/powerpoint/2010/main" val="4096763439"/>
+        <p14:creationId xmlns:p14="http://schemas.microsoft.com/office/powerpoint/2010/main" val="101511574"/>
       </p:ext>
     </p:extLst>
   </p:cSld>
@@ -4178,7 +4162,7 @@
           <a:p>
             <a:r>
               <a:rPr lang="en-US" dirty="0" smtClean="0"/>
-              <a:t>Preliminary Results</a:t>
+              <a:t>Judge of Quality</a:t>
             </a:r>
             <a:endParaRPr lang="en-US" dirty="0"/>
           </a:p>
@@ -4196,10 +4180,52 @@
         </p:nvSpPr>
         <p:spPr/>
         <p:txBody>
-          <a:bodyPr/>
-          <a:lstStyle/>
-          <a:p>
-            <a:endParaRPr lang="en-US"/>
+          <a:bodyPr>
+            <a:normAutofit/>
+          </a:bodyPr>
+          <a:lstStyle/>
+          <a:p>
+            <a:r>
+              <a:rPr lang="en-US" sz="3600" dirty="0" smtClean="0"/>
+              <a:t>Sensitivity: how many </a:t>
+            </a:r>
+            <a:r>
+              <a:rPr lang="en-US" sz="3600" dirty="0" err="1" smtClean="0"/>
+              <a:t>preictal</a:t>
+            </a:r>
+            <a:r>
+              <a:rPr lang="en-US" sz="3600" dirty="0" smtClean="0"/>
+              <a:t> segments can we correctly classify?</a:t>
+            </a:r>
+          </a:p>
+          <a:p>
+            <a:pPr lvl="1"/>
+            <a:r>
+              <a:rPr lang="en-US" sz="3600" dirty="0" smtClean="0"/>
+              <a:t>maximize</a:t>
+            </a:r>
+          </a:p>
+          <a:p>
+            <a:r>
+              <a:rPr lang="en-US" sz="3600" dirty="0" smtClean="0"/>
+              <a:t>False Positive Rate: how many </a:t>
+            </a:r>
+            <a:r>
+              <a:rPr lang="en-US" sz="3600" dirty="0" err="1" smtClean="0"/>
+              <a:t>interictal</a:t>
+            </a:r>
+            <a:r>
+              <a:rPr lang="en-US" sz="3600" dirty="0" smtClean="0"/>
+              <a:t> segments are incorrectly classified?</a:t>
+            </a:r>
+          </a:p>
+          <a:p>
+            <a:pPr lvl="1"/>
+            <a:r>
+              <a:rPr lang="en-US" sz="3600" dirty="0" smtClean="0"/>
+              <a:t>minimize</a:t>
+            </a:r>
+            <a:endParaRPr lang="en-US" sz="3600" dirty="0"/>
           </a:p>
         </p:txBody>
       </p:sp>
@@ -4229,7 +4255,7 @@
     </p:spTree>
     <p:extLst>
       <p:ext uri="{BB962C8B-B14F-4D97-AF65-F5344CB8AC3E}">
-        <p14:creationId xmlns:p14="http://schemas.microsoft.com/office/powerpoint/2010/main" val="554913018"/>
+        <p14:creationId xmlns:p14="http://schemas.microsoft.com/office/powerpoint/2010/main" val="4096763439"/>
       </p:ext>
     </p:extLst>
   </p:cSld>
@@ -4273,7 +4299,7 @@
           <a:p>
             <a:r>
               <a:rPr lang="en-US" dirty="0" smtClean="0"/>
-              <a:t>Limitations</a:t>
+              <a:t>Preliminary Results</a:t>
             </a:r>
             <a:endParaRPr lang="en-US" dirty="0"/>
           </a:p>
@@ -4294,58 +4320,7 @@
           <a:bodyPr/>
           <a:lstStyle/>
           <a:p>
-            <a:r>
-              <a:rPr lang="en-US" dirty="0" smtClean="0"/>
-              <a:t>Current features do a poor job of handling multiple channels, do not cross-correlate any channels</a:t>
-            </a:r>
-          </a:p>
-          <a:p>
-            <a:r>
-              <a:rPr lang="en-US" dirty="0" smtClean="0"/>
-              <a:t>Initial dataset is huge</a:t>
-            </a:r>
-          </a:p>
-          <a:p>
-            <a:pPr lvl="1"/>
-            <a:r>
-              <a:rPr lang="en-US" dirty="0" smtClean="0"/>
-              <a:t>Takes ~25 minutes to </a:t>
-            </a:r>
-            <a:r>
-              <a:rPr lang="en-US" dirty="0" smtClean="0"/>
-              <a:t>load </a:t>
-            </a:r>
-            <a:r>
-              <a:rPr lang="en-US" smtClean="0"/>
-              <a:t>on smallest dog</a:t>
-            </a:r>
-            <a:endParaRPr lang="en-US" dirty="0" smtClean="0"/>
-          </a:p>
-          <a:p>
-            <a:pPr lvl="1"/>
-            <a:r>
-              <a:rPr lang="en-US" dirty="0" smtClean="0"/>
-              <a:t>Must be partitioned when generating features due to memory </a:t>
-            </a:r>
-            <a:r>
-              <a:rPr lang="en-US" dirty="0" err="1" smtClean="0"/>
-              <a:t>contraints</a:t>
-            </a:r>
-            <a:endParaRPr lang="en-US" dirty="0" smtClean="0"/>
-          </a:p>
-          <a:p>
-            <a:pPr lvl="1"/>
-            <a:r>
-              <a:rPr lang="en-US" dirty="0" smtClean="0"/>
-              <a:t>Storage is difficult</a:t>
-            </a:r>
-          </a:p>
-          <a:p>
-            <a:r>
-              <a:rPr lang="en-US" dirty="0" smtClean="0"/>
-              <a:t>Seeding of neural network is basic</a:t>
-            </a:r>
-            <a:endParaRPr lang="en-US" dirty="0"/>
+            <a:endParaRPr lang="en-US"/>
           </a:p>
         </p:txBody>
       </p:sp>
@@ -4375,7 +4350,7 @@
     </p:spTree>
     <p:extLst>
       <p:ext uri="{BB962C8B-B14F-4D97-AF65-F5344CB8AC3E}">
-        <p14:creationId xmlns:p14="http://schemas.microsoft.com/office/powerpoint/2010/main" val="3402098447"/>
+        <p14:creationId xmlns:p14="http://schemas.microsoft.com/office/powerpoint/2010/main" val="554913018"/>
       </p:ext>
     </p:extLst>
   </p:cSld>
@@ -4419,6 +4394,240 @@
           <a:p>
             <a:r>
               <a:rPr lang="en-US" dirty="0" smtClean="0"/>
+              <a:t>Preliminary Results</a:t>
+            </a:r>
+            <a:endParaRPr lang="en-US" dirty="0"/>
+          </a:p>
+        </p:txBody>
+      </p:sp>
+      <p:sp>
+        <p:nvSpPr>
+          <p:cNvPr id="3" name="Content Placeholder 2"/>
+          <p:cNvSpPr>
+            <a:spLocks noGrp="1"/>
+          </p:cNvSpPr>
+          <p:nvPr>
+            <p:ph idx="1"/>
+          </p:nvPr>
+        </p:nvSpPr>
+        <p:spPr/>
+        <p:txBody>
+          <a:bodyPr/>
+          <a:lstStyle/>
+          <a:p>
+            <a:endParaRPr lang="en-US"/>
+          </a:p>
+        </p:txBody>
+      </p:sp>
+      <p:sp>
+        <p:nvSpPr>
+          <p:cNvPr id="4" name="Slide Number Placeholder 3"/>
+          <p:cNvSpPr>
+            <a:spLocks noGrp="1"/>
+          </p:cNvSpPr>
+          <p:nvPr>
+            <p:ph type="sldNum" sz="quarter" idx="12"/>
+          </p:nvPr>
+        </p:nvSpPr>
+        <p:spPr/>
+        <p:txBody>
+          <a:bodyPr/>
+          <a:lstStyle/>
+          <a:p>
+            <a:fld id="{DE274747-5511-48A3-8736-433509E53D35}" type="slidenum">
+              <a:rPr lang="en-US" smtClean="0"/>
+              <a:t>14</a:t>
+            </a:fld>
+            <a:endParaRPr lang="en-US"/>
+          </a:p>
+        </p:txBody>
+      </p:sp>
+    </p:spTree>
+    <p:extLst>
+      <p:ext uri="{BB962C8B-B14F-4D97-AF65-F5344CB8AC3E}">
+        <p14:creationId xmlns:p14="http://schemas.microsoft.com/office/powerpoint/2010/main" val="3660176647"/>
+      </p:ext>
+    </p:extLst>
+  </p:cSld>
+  <p:clrMapOvr>
+    <a:masterClrMapping/>
+  </p:clrMapOvr>
+</p:sld>
+</file>
+
+<file path=ppt/slides/slide15.xml><?xml version="1.0" encoding="utf-8"?>
+<p:sld xmlns:a="http://schemas.openxmlformats.org/drawingml/2006/main" xmlns:r="http://schemas.openxmlformats.org/officeDocument/2006/relationships" xmlns:p="http://schemas.openxmlformats.org/presentationml/2006/main">
+  <p:cSld>
+    <p:spTree>
+      <p:nvGrpSpPr>
+        <p:cNvPr id="1" name=""/>
+        <p:cNvGrpSpPr/>
+        <p:nvPr/>
+      </p:nvGrpSpPr>
+      <p:grpSpPr>
+        <a:xfrm>
+          <a:off x="0" y="0"/>
+          <a:ext cx="0" cy="0"/>
+          <a:chOff x="0" y="0"/>
+          <a:chExt cx="0" cy="0"/>
+        </a:xfrm>
+      </p:grpSpPr>
+      <p:sp>
+        <p:nvSpPr>
+          <p:cNvPr id="2" name="Title 1"/>
+          <p:cNvSpPr>
+            <a:spLocks noGrp="1"/>
+          </p:cNvSpPr>
+          <p:nvPr>
+            <p:ph type="title"/>
+          </p:nvPr>
+        </p:nvSpPr>
+        <p:spPr/>
+        <p:txBody>
+          <a:bodyPr/>
+          <a:lstStyle/>
+          <a:p>
+            <a:r>
+              <a:rPr lang="en-US" dirty="0" smtClean="0"/>
+              <a:t>Limitations</a:t>
+            </a:r>
+            <a:endParaRPr lang="en-US" dirty="0"/>
+          </a:p>
+        </p:txBody>
+      </p:sp>
+      <p:sp>
+        <p:nvSpPr>
+          <p:cNvPr id="3" name="Content Placeholder 2"/>
+          <p:cNvSpPr>
+            <a:spLocks noGrp="1"/>
+          </p:cNvSpPr>
+          <p:nvPr>
+            <p:ph idx="1"/>
+          </p:nvPr>
+        </p:nvSpPr>
+        <p:spPr/>
+        <p:txBody>
+          <a:bodyPr>
+            <a:normAutofit/>
+          </a:bodyPr>
+          <a:lstStyle/>
+          <a:p>
+            <a:r>
+              <a:rPr lang="en-US" sz="2800" dirty="0" smtClean="0"/>
+              <a:t>Current features do a poor job of handling multiple channels, do not cross-correlate any channels</a:t>
+            </a:r>
+          </a:p>
+          <a:p>
+            <a:r>
+              <a:rPr lang="en-US" sz="2800" dirty="0" smtClean="0"/>
+              <a:t>Initial dataset is huge</a:t>
+            </a:r>
+          </a:p>
+          <a:p>
+            <a:pPr lvl="1"/>
+            <a:r>
+              <a:rPr lang="en-US" sz="2800" dirty="0" smtClean="0"/>
+              <a:t>Takes ~25 minutes to load on smallest dog</a:t>
+            </a:r>
+          </a:p>
+          <a:p>
+            <a:pPr lvl="1"/>
+            <a:r>
+              <a:rPr lang="en-US" sz="2800" dirty="0" smtClean="0"/>
+              <a:t>Must be partitioned when generating features due to memory </a:t>
+            </a:r>
+            <a:r>
+              <a:rPr lang="en-US" sz="2800" dirty="0" smtClean="0"/>
+              <a:t>constraints</a:t>
+            </a:r>
+            <a:endParaRPr lang="en-US" sz="2800" dirty="0" smtClean="0"/>
+          </a:p>
+          <a:p>
+            <a:pPr lvl="1"/>
+            <a:r>
+              <a:rPr lang="en-US" sz="2800" dirty="0" smtClean="0"/>
+              <a:t>Storage is difficult</a:t>
+            </a:r>
+          </a:p>
+          <a:p>
+            <a:r>
+              <a:rPr lang="en-US" sz="2800" dirty="0" smtClean="0"/>
+              <a:t>Seeding of neural network is basic</a:t>
+            </a:r>
+            <a:endParaRPr lang="en-US" sz="2800" dirty="0"/>
+          </a:p>
+        </p:txBody>
+      </p:sp>
+      <p:sp>
+        <p:nvSpPr>
+          <p:cNvPr id="4" name="Slide Number Placeholder 3"/>
+          <p:cNvSpPr>
+            <a:spLocks noGrp="1"/>
+          </p:cNvSpPr>
+          <p:nvPr>
+            <p:ph type="sldNum" sz="quarter" idx="12"/>
+          </p:nvPr>
+        </p:nvSpPr>
+        <p:spPr/>
+        <p:txBody>
+          <a:bodyPr/>
+          <a:lstStyle/>
+          <a:p>
+            <a:fld id="{DE274747-5511-48A3-8736-433509E53D35}" type="slidenum">
+              <a:rPr lang="en-US" smtClean="0"/>
+              <a:t>15</a:t>
+            </a:fld>
+            <a:endParaRPr lang="en-US"/>
+          </a:p>
+        </p:txBody>
+      </p:sp>
+    </p:spTree>
+    <p:extLst>
+      <p:ext uri="{BB962C8B-B14F-4D97-AF65-F5344CB8AC3E}">
+        <p14:creationId xmlns:p14="http://schemas.microsoft.com/office/powerpoint/2010/main" val="3402098447"/>
+      </p:ext>
+    </p:extLst>
+  </p:cSld>
+  <p:clrMapOvr>
+    <a:masterClrMapping/>
+  </p:clrMapOvr>
+</p:sld>
+</file>
+
+<file path=ppt/slides/slide16.xml><?xml version="1.0" encoding="utf-8"?>
+<p:sld xmlns:a="http://schemas.openxmlformats.org/drawingml/2006/main" xmlns:r="http://schemas.openxmlformats.org/officeDocument/2006/relationships" xmlns:p="http://schemas.openxmlformats.org/presentationml/2006/main">
+  <p:cSld>
+    <p:spTree>
+      <p:nvGrpSpPr>
+        <p:cNvPr id="1" name=""/>
+        <p:cNvGrpSpPr/>
+        <p:nvPr/>
+      </p:nvGrpSpPr>
+      <p:grpSpPr>
+        <a:xfrm>
+          <a:off x="0" y="0"/>
+          <a:ext cx="0" cy="0"/>
+          <a:chOff x="0" y="0"/>
+          <a:chExt cx="0" cy="0"/>
+        </a:xfrm>
+      </p:grpSpPr>
+      <p:sp>
+        <p:nvSpPr>
+          <p:cNvPr id="2" name="Title 1"/>
+          <p:cNvSpPr>
+            <a:spLocks noGrp="1"/>
+          </p:cNvSpPr>
+          <p:nvPr>
+            <p:ph type="title"/>
+          </p:nvPr>
+        </p:nvSpPr>
+        <p:spPr/>
+        <p:txBody>
+          <a:bodyPr/>
+          <a:lstStyle/>
+          <a:p>
+            <a:r>
+              <a:rPr lang="en-US" dirty="0" smtClean="0"/>
               <a:t>References</a:t>
             </a:r>
             <a:endParaRPr lang="en-US" dirty="0"/>
@@ -4571,7 +4780,7 @@
           <a:p>
             <a:fld id="{DE274747-5511-48A3-8736-433509E53D35}" type="slidenum">
               <a:rPr lang="en-US" smtClean="0"/>
-              <a:t>14</a:t>
+              <a:t>16</a:t>
             </a:fld>
             <a:endParaRPr lang="en-US"/>
           </a:p>
@@ -5606,73 +5815,7 @@
       </p:grpSpPr>
       <p:sp>
         <p:nvSpPr>
-          <p:cNvPr id="2" name="Title 1"/>
-          <p:cNvSpPr>
-            <a:spLocks noGrp="1"/>
-          </p:cNvSpPr>
-          <p:nvPr>
-            <p:ph type="title"/>
-          </p:nvPr>
-        </p:nvSpPr>
-        <p:spPr/>
-        <p:txBody>
-          <a:bodyPr/>
-          <a:lstStyle/>
-          <a:p>
-            <a:r>
-              <a:rPr lang="en-US" dirty="0" smtClean="0"/>
-              <a:t>Feature Generation (Future)</a:t>
-            </a:r>
-            <a:endParaRPr lang="en-US" dirty="0"/>
-          </a:p>
-        </p:txBody>
-      </p:sp>
-      <p:sp>
-        <p:nvSpPr>
-          <p:cNvPr id="3" name="Content Placeholder 2"/>
-          <p:cNvSpPr>
-            <a:spLocks noGrp="1"/>
-          </p:cNvSpPr>
-          <p:nvPr>
-            <p:ph idx="1"/>
-          </p:nvPr>
-        </p:nvSpPr>
-        <p:spPr/>
-        <p:txBody>
-          <a:bodyPr>
-            <a:normAutofit/>
-          </a:bodyPr>
-          <a:lstStyle/>
-          <a:p>
-            <a:r>
-              <a:rPr lang="en-US" sz="3200" dirty="0" smtClean="0"/>
-              <a:t>Wavelet Transform (decomposition)</a:t>
-            </a:r>
-          </a:p>
-          <a:p>
-            <a:r>
-              <a:rPr lang="en-US" sz="3200" dirty="0" smtClean="0"/>
-              <a:t>Increments of Accumulated Energy</a:t>
-            </a:r>
-          </a:p>
-          <a:p>
-            <a:r>
-              <a:rPr lang="en-US" sz="3200" dirty="0" smtClean="0"/>
-              <a:t>Effective Correlation Dimension</a:t>
-            </a:r>
-          </a:p>
-          <a:p>
-            <a:r>
-              <a:rPr lang="en-US" sz="3200" dirty="0" smtClean="0"/>
-              <a:t>Spectral Entropy</a:t>
-            </a:r>
-            <a:endParaRPr lang="en-US" sz="3200" dirty="0"/>
-          </a:p>
-        </p:txBody>
-      </p:sp>
-      <p:sp>
-        <p:nvSpPr>
-          <p:cNvPr id="4" name="Slide Number Placeholder 3"/>
+          <p:cNvPr id="2" name="Slide Number Placeholder 1"/>
           <p:cNvSpPr>
             <a:spLocks noGrp="1"/>
           </p:cNvSpPr>
@@ -5693,10 +5836,225 @@
           </a:p>
         </p:txBody>
       </p:sp>
+      <p:pic>
+        <p:nvPicPr>
+          <p:cNvPr id="3" name="Picture 2"/>
+          <p:cNvPicPr>
+            <a:picLocks noChangeAspect="1"/>
+          </p:cNvPicPr>
+          <p:nvPr/>
+        </p:nvPicPr>
+        <p:blipFill>
+          <a:blip r:embed="rId2">
+            <a:extLst>
+              <a:ext uri="{28A0092B-C50C-407E-A947-70E740481C1C}">
+                <a14:useLocalDpi xmlns:a14="http://schemas.microsoft.com/office/drawing/2010/main" val="0"/>
+              </a:ext>
+            </a:extLst>
+          </a:blip>
+          <a:stretch>
+            <a:fillRect/>
+          </a:stretch>
+        </p:blipFill>
+        <p:spPr>
+          <a:xfrm>
+            <a:off x="0" y="0"/>
+            <a:ext cx="12192000" cy="6562570"/>
+          </a:xfrm>
+          <a:prstGeom prst="rect">
+            <a:avLst/>
+          </a:prstGeom>
+        </p:spPr>
+      </p:pic>
+      <p:sp>
+        <p:nvSpPr>
+          <p:cNvPr id="4" name="TextBox 3"/>
+          <p:cNvSpPr txBox="1"/>
+          <p:nvPr/>
+        </p:nvSpPr>
+        <p:spPr>
+          <a:xfrm>
+            <a:off x="8075489" y="801385"/>
+            <a:ext cx="1035861" cy="646331"/>
+          </a:xfrm>
+          <a:prstGeom prst="rect">
+            <a:avLst/>
+          </a:prstGeom>
+          <a:noFill/>
+        </p:spPr>
+        <p:txBody>
+          <a:bodyPr wrap="none" rtlCol="0">
+            <a:spAutoFit/>
+          </a:bodyPr>
+          <a:lstStyle/>
+          <a:p>
+            <a:r>
+              <a:rPr lang="en-US" dirty="0" err="1" smtClean="0">
+                <a:solidFill>
+                  <a:srgbClr val="000000"/>
+                </a:solidFill>
+              </a:rPr>
+              <a:t>Interictal</a:t>
+            </a:r>
+            <a:endParaRPr lang="en-US" dirty="0" smtClean="0">
+              <a:solidFill>
+                <a:srgbClr val="000000"/>
+              </a:solidFill>
+            </a:endParaRPr>
+          </a:p>
+          <a:p>
+            <a:r>
+              <a:rPr lang="en-US" dirty="0" err="1" smtClean="0">
+                <a:solidFill>
+                  <a:srgbClr val="000000"/>
+                </a:solidFill>
+              </a:rPr>
+              <a:t>Preictal</a:t>
+            </a:r>
+            <a:endParaRPr lang="en-US" dirty="0" smtClean="0">
+              <a:solidFill>
+                <a:srgbClr val="000000"/>
+              </a:solidFill>
+            </a:endParaRPr>
+          </a:p>
+        </p:txBody>
+      </p:sp>
+      <p:sp>
+        <p:nvSpPr>
+          <p:cNvPr id="5" name="Rectangle 4"/>
+          <p:cNvSpPr/>
+          <p:nvPr/>
+        </p:nvSpPr>
+        <p:spPr>
+          <a:xfrm>
+            <a:off x="7849458" y="898519"/>
+            <a:ext cx="226031" cy="226031"/>
+          </a:xfrm>
+          <a:prstGeom prst="rect">
+            <a:avLst/>
+          </a:prstGeom>
+          <a:solidFill>
+            <a:srgbClr val="00008F"/>
+          </a:solidFill>
+        </p:spPr>
+        <p:style>
+          <a:lnRef idx="2">
+            <a:schemeClr val="accent1">
+              <a:shade val="50000"/>
+            </a:schemeClr>
+          </a:lnRef>
+          <a:fillRef idx="1">
+            <a:schemeClr val="accent1"/>
+          </a:fillRef>
+          <a:effectRef idx="0">
+            <a:schemeClr val="accent1"/>
+          </a:effectRef>
+          <a:fontRef idx="minor">
+            <a:schemeClr val="lt1"/>
+          </a:fontRef>
+        </p:style>
+        <p:txBody>
+          <a:bodyPr rtlCol="0" anchor="ctr"/>
+          <a:lstStyle/>
+          <a:p>
+            <a:pPr algn="ctr"/>
+            <a:endParaRPr lang="en-US"/>
+          </a:p>
+        </p:txBody>
+      </p:sp>
+      <p:sp>
+        <p:nvSpPr>
+          <p:cNvPr id="6" name="Rectangle 5"/>
+          <p:cNvSpPr/>
+          <p:nvPr/>
+        </p:nvSpPr>
+        <p:spPr>
+          <a:xfrm>
+            <a:off x="7849459" y="1173117"/>
+            <a:ext cx="226031" cy="226031"/>
+          </a:xfrm>
+          <a:prstGeom prst="rect">
+            <a:avLst/>
+          </a:prstGeom>
+          <a:solidFill>
+            <a:srgbClr val="FF0000"/>
+          </a:solidFill>
+        </p:spPr>
+        <p:style>
+          <a:lnRef idx="2">
+            <a:schemeClr val="accent1">
+              <a:shade val="50000"/>
+            </a:schemeClr>
+          </a:lnRef>
+          <a:fillRef idx="1">
+            <a:schemeClr val="accent1"/>
+          </a:fillRef>
+          <a:effectRef idx="0">
+            <a:schemeClr val="accent1"/>
+          </a:effectRef>
+          <a:fontRef idx="minor">
+            <a:schemeClr val="lt1"/>
+          </a:fontRef>
+        </p:style>
+        <p:txBody>
+          <a:bodyPr rtlCol="0" anchor="ctr"/>
+          <a:lstStyle/>
+          <a:p>
+            <a:pPr algn="ctr"/>
+            <a:endParaRPr lang="en-US"/>
+          </a:p>
+        </p:txBody>
+      </p:sp>
+      <p:sp>
+        <p:nvSpPr>
+          <p:cNvPr id="7" name="Rectangle 6"/>
+          <p:cNvSpPr/>
+          <p:nvPr/>
+        </p:nvSpPr>
+        <p:spPr>
+          <a:xfrm>
+            <a:off x="7767263" y="801385"/>
+            <a:ext cx="1344087" cy="646331"/>
+          </a:xfrm>
+          <a:prstGeom prst="rect">
+            <a:avLst/>
+          </a:prstGeom>
+          <a:noFill/>
+          <a:ln>
+            <a:solidFill>
+              <a:srgbClr val="000000"/>
+            </a:solidFill>
+          </a:ln>
+        </p:spPr>
+        <p:style>
+          <a:lnRef idx="2">
+            <a:schemeClr val="accent1">
+              <a:shade val="50000"/>
+            </a:schemeClr>
+          </a:lnRef>
+          <a:fillRef idx="1">
+            <a:schemeClr val="accent1"/>
+          </a:fillRef>
+          <a:effectRef idx="0">
+            <a:schemeClr val="accent1"/>
+          </a:effectRef>
+          <a:fontRef idx="minor">
+            <a:schemeClr val="lt1"/>
+          </a:fontRef>
+        </p:style>
+        <p:txBody>
+          <a:bodyPr rtlCol="0" anchor="ctr"/>
+          <a:lstStyle/>
+          <a:p>
+            <a:pPr algn="ctr"/>
+            <a:endParaRPr lang="en-US"/>
+          </a:p>
+        </p:txBody>
+      </p:sp>
     </p:spTree>
     <p:extLst>
       <p:ext uri="{BB962C8B-B14F-4D97-AF65-F5344CB8AC3E}">
-        <p14:creationId xmlns:p14="http://schemas.microsoft.com/office/powerpoint/2010/main" val="4228409607"/>
+        <p14:creationId xmlns:p14="http://schemas.microsoft.com/office/powerpoint/2010/main" val="582758119"/>
       </p:ext>
     </p:extLst>
   </p:cSld>

--- a/milestone/Epileptic Seizure Prediction Mile Stone Presentation.pptx
+++ b/milestone/Epileptic Seizure Prediction Mile Stone Presentation.pptx
@@ -19,9 +19,9 @@
     <p:sldId id="274" r:id="rId10"/>
     <p:sldId id="271" r:id="rId11"/>
     <p:sldId id="264" r:id="rId12"/>
-    <p:sldId id="269" r:id="rId13"/>
-    <p:sldId id="265" r:id="rId14"/>
-    <p:sldId id="273" r:id="rId15"/>
+    <p:sldId id="275" r:id="rId13"/>
+    <p:sldId id="276" r:id="rId14"/>
+    <p:sldId id="269" r:id="rId15"/>
     <p:sldId id="272" r:id="rId16"/>
     <p:sldId id="266" r:id="rId17"/>
   </p:sldIdLst>
@@ -4076,11 +4076,15 @@
           <a:p>
             <a:r>
               <a:rPr lang="en-US" sz="3200" dirty="0" err="1" smtClean="0"/>
-              <a:t>Feedfowrard</a:t>
+              <a:t>Feedforward</a:t>
             </a:r>
             <a:r>
               <a:rPr lang="en-US" sz="3200" dirty="0" smtClean="0"/>
-              <a:t> Neural Network</a:t>
+              <a:t> </a:t>
+            </a:r>
+            <a:r>
+              <a:rPr lang="en-US" sz="3200" dirty="0" smtClean="0"/>
+              <a:t>Neural Network</a:t>
             </a:r>
           </a:p>
           <a:p>
@@ -4147,91 +4151,7 @@
       </p:grpSpPr>
       <p:sp>
         <p:nvSpPr>
-          <p:cNvPr id="2" name="Title 1"/>
-          <p:cNvSpPr>
-            <a:spLocks noGrp="1"/>
-          </p:cNvSpPr>
-          <p:nvPr>
-            <p:ph type="title"/>
-          </p:nvPr>
-        </p:nvSpPr>
-        <p:spPr/>
-        <p:txBody>
-          <a:bodyPr/>
-          <a:lstStyle/>
-          <a:p>
-            <a:r>
-              <a:rPr lang="en-US" dirty="0" smtClean="0"/>
-              <a:t>Judge of Quality</a:t>
-            </a:r>
-            <a:endParaRPr lang="en-US" dirty="0"/>
-          </a:p>
-        </p:txBody>
-      </p:sp>
-      <p:sp>
-        <p:nvSpPr>
-          <p:cNvPr id="3" name="Content Placeholder 2"/>
-          <p:cNvSpPr>
-            <a:spLocks noGrp="1"/>
-          </p:cNvSpPr>
-          <p:nvPr>
-            <p:ph idx="1"/>
-          </p:nvPr>
-        </p:nvSpPr>
-        <p:spPr/>
-        <p:txBody>
-          <a:bodyPr>
-            <a:normAutofit/>
-          </a:bodyPr>
-          <a:lstStyle/>
-          <a:p>
-            <a:r>
-              <a:rPr lang="en-US" sz="3600" dirty="0" smtClean="0"/>
-              <a:t>Sensitivity: how many </a:t>
-            </a:r>
-            <a:r>
-              <a:rPr lang="en-US" sz="3600" dirty="0" err="1" smtClean="0"/>
-              <a:t>preictal</a:t>
-            </a:r>
-            <a:r>
-              <a:rPr lang="en-US" sz="3600" dirty="0" smtClean="0"/>
-              <a:t> segments can we correctly classify?</a:t>
-            </a:r>
-          </a:p>
-          <a:p>
-            <a:pPr lvl="1"/>
-            <a:r>
-              <a:rPr lang="en-US" sz="3600" dirty="0" smtClean="0"/>
-              <a:t>maximize</a:t>
-            </a:r>
-          </a:p>
-          <a:p>
-            <a:r>
-              <a:rPr lang="en-US" sz="3600" dirty="0" smtClean="0"/>
-              <a:t>False Positive Rate: how many </a:t>
-            </a:r>
-            <a:r>
-              <a:rPr lang="en-US" sz="3600" dirty="0" err="1" smtClean="0"/>
-              <a:t>interictal</a:t>
-            </a:r>
-            <a:r>
-              <a:rPr lang="en-US" sz="3600" dirty="0" smtClean="0"/>
-              <a:t> segments are incorrectly classified?</a:t>
-            </a:r>
-          </a:p>
-          <a:p>
-            <a:pPr lvl="1"/>
-            <a:r>
-              <a:rPr lang="en-US" sz="3600" dirty="0" smtClean="0"/>
-              <a:t>minimize</a:t>
-            </a:r>
-            <a:endParaRPr lang="en-US" sz="3600" dirty="0"/>
-          </a:p>
-        </p:txBody>
-      </p:sp>
-      <p:sp>
-        <p:nvSpPr>
-          <p:cNvPr id="4" name="Slide Number Placeholder 3"/>
+          <p:cNvPr id="2" name="Slide Number Placeholder 1"/>
           <p:cNvSpPr>
             <a:spLocks noGrp="1"/>
           </p:cNvSpPr>
@@ -4252,10 +4172,40 @@
           </a:p>
         </p:txBody>
       </p:sp>
+      <p:pic>
+        <p:nvPicPr>
+          <p:cNvPr id="3" name="Picture 2"/>
+          <p:cNvPicPr>
+            <a:picLocks noChangeAspect="1"/>
+          </p:cNvPicPr>
+          <p:nvPr/>
+        </p:nvPicPr>
+        <p:blipFill>
+          <a:blip r:embed="rId2">
+            <a:extLst>
+              <a:ext uri="{28A0092B-C50C-407E-A947-70E740481C1C}">
+                <a14:useLocalDpi xmlns:a14="http://schemas.microsoft.com/office/drawing/2010/main" val="0"/>
+              </a:ext>
+            </a:extLst>
+          </a:blip>
+          <a:stretch>
+            <a:fillRect/>
+          </a:stretch>
+        </p:blipFill>
+        <p:spPr>
+          <a:xfrm>
+            <a:off x="0" y="519342"/>
+            <a:ext cx="12192000" cy="5819315"/>
+          </a:xfrm>
+          <a:prstGeom prst="rect">
+            <a:avLst/>
+          </a:prstGeom>
+        </p:spPr>
+      </p:pic>
     </p:spTree>
     <p:extLst>
       <p:ext uri="{BB962C8B-B14F-4D97-AF65-F5344CB8AC3E}">
-        <p14:creationId xmlns:p14="http://schemas.microsoft.com/office/powerpoint/2010/main" val="4096763439"/>
+        <p14:creationId xmlns:p14="http://schemas.microsoft.com/office/powerpoint/2010/main" val="1322923959"/>
       </p:ext>
     </p:extLst>
   </p:cSld>
@@ -4284,49 +4234,7 @@
       </p:grpSpPr>
       <p:sp>
         <p:nvSpPr>
-          <p:cNvPr id="2" name="Title 1"/>
-          <p:cNvSpPr>
-            <a:spLocks noGrp="1"/>
-          </p:cNvSpPr>
-          <p:nvPr>
-            <p:ph type="title"/>
-          </p:nvPr>
-        </p:nvSpPr>
-        <p:spPr/>
-        <p:txBody>
-          <a:bodyPr/>
-          <a:lstStyle/>
-          <a:p>
-            <a:r>
-              <a:rPr lang="en-US" dirty="0" smtClean="0"/>
-              <a:t>Preliminary Results</a:t>
-            </a:r>
-            <a:endParaRPr lang="en-US" dirty="0"/>
-          </a:p>
-        </p:txBody>
-      </p:sp>
-      <p:sp>
-        <p:nvSpPr>
-          <p:cNvPr id="3" name="Content Placeholder 2"/>
-          <p:cNvSpPr>
-            <a:spLocks noGrp="1"/>
-          </p:cNvSpPr>
-          <p:nvPr>
-            <p:ph idx="1"/>
-          </p:nvPr>
-        </p:nvSpPr>
-        <p:spPr/>
-        <p:txBody>
-          <a:bodyPr/>
-          <a:lstStyle/>
-          <a:p>
-            <a:endParaRPr lang="en-US"/>
-          </a:p>
-        </p:txBody>
-      </p:sp>
-      <p:sp>
-        <p:nvSpPr>
-          <p:cNvPr id="4" name="Slide Number Placeholder 3"/>
+          <p:cNvPr id="2" name="Slide Number Placeholder 1"/>
           <p:cNvSpPr>
             <a:spLocks noGrp="1"/>
           </p:cNvSpPr>
@@ -4347,10 +4255,40 @@
           </a:p>
         </p:txBody>
       </p:sp>
+      <p:pic>
+        <p:nvPicPr>
+          <p:cNvPr id="3" name="Picture 2"/>
+          <p:cNvPicPr>
+            <a:picLocks noChangeAspect="1"/>
+          </p:cNvPicPr>
+          <p:nvPr/>
+        </p:nvPicPr>
+        <p:blipFill>
+          <a:blip r:embed="rId2">
+            <a:extLst>
+              <a:ext uri="{28A0092B-C50C-407E-A947-70E740481C1C}">
+                <a14:useLocalDpi xmlns:a14="http://schemas.microsoft.com/office/drawing/2010/main" val="0"/>
+              </a:ext>
+            </a:extLst>
+          </a:blip>
+          <a:stretch>
+            <a:fillRect/>
+          </a:stretch>
+        </p:blipFill>
+        <p:spPr>
+          <a:xfrm>
+            <a:off x="2373926" y="637444"/>
+            <a:ext cx="7444149" cy="5583112"/>
+          </a:xfrm>
+          <a:prstGeom prst="rect">
+            <a:avLst/>
+          </a:prstGeom>
+        </p:spPr>
+      </p:pic>
     </p:spTree>
     <p:extLst>
       <p:ext uri="{BB962C8B-B14F-4D97-AF65-F5344CB8AC3E}">
-        <p14:creationId xmlns:p14="http://schemas.microsoft.com/office/powerpoint/2010/main" val="554913018"/>
+        <p14:creationId xmlns:p14="http://schemas.microsoft.com/office/powerpoint/2010/main" val="778385909"/>
       </p:ext>
     </p:extLst>
   </p:cSld>
@@ -4394,7 +4332,7 @@
           <a:p>
             <a:r>
               <a:rPr lang="en-US" dirty="0" smtClean="0"/>
-              <a:t>Preliminary Results</a:t>
+              <a:t>Judge of Quality</a:t>
             </a:r>
             <a:endParaRPr lang="en-US" dirty="0"/>
           </a:p>
@@ -4412,10 +4350,52 @@
         </p:nvSpPr>
         <p:spPr/>
         <p:txBody>
-          <a:bodyPr/>
-          <a:lstStyle/>
-          <a:p>
-            <a:endParaRPr lang="en-US"/>
+          <a:bodyPr>
+            <a:normAutofit/>
+          </a:bodyPr>
+          <a:lstStyle/>
+          <a:p>
+            <a:r>
+              <a:rPr lang="en-US" sz="3600" dirty="0" smtClean="0"/>
+              <a:t>Sensitivity: how many </a:t>
+            </a:r>
+            <a:r>
+              <a:rPr lang="en-US" sz="3600" dirty="0" err="1" smtClean="0"/>
+              <a:t>preictal</a:t>
+            </a:r>
+            <a:r>
+              <a:rPr lang="en-US" sz="3600" dirty="0" smtClean="0"/>
+              <a:t> segments can we correctly classify?</a:t>
+            </a:r>
+          </a:p>
+          <a:p>
+            <a:pPr lvl="1"/>
+            <a:r>
+              <a:rPr lang="en-US" sz="3600" dirty="0" smtClean="0"/>
+              <a:t>maximize</a:t>
+            </a:r>
+          </a:p>
+          <a:p>
+            <a:r>
+              <a:rPr lang="en-US" sz="3600" dirty="0" smtClean="0"/>
+              <a:t>False Positive Rate: how many </a:t>
+            </a:r>
+            <a:r>
+              <a:rPr lang="en-US" sz="3600" dirty="0" err="1" smtClean="0"/>
+              <a:t>interictal</a:t>
+            </a:r>
+            <a:r>
+              <a:rPr lang="en-US" sz="3600" dirty="0" smtClean="0"/>
+              <a:t> segments are incorrectly classified?</a:t>
+            </a:r>
+          </a:p>
+          <a:p>
+            <a:pPr lvl="1"/>
+            <a:r>
+              <a:rPr lang="en-US" sz="3600" dirty="0" smtClean="0"/>
+              <a:t>minimize</a:t>
+            </a:r>
+            <a:endParaRPr lang="en-US" sz="3600" dirty="0"/>
           </a:p>
         </p:txBody>
       </p:sp>
@@ -4445,7 +4425,7 @@
     </p:spTree>
     <p:extLst>
       <p:ext uri="{BB962C8B-B14F-4D97-AF65-F5344CB8AC3E}">
-        <p14:creationId xmlns:p14="http://schemas.microsoft.com/office/powerpoint/2010/main" val="3660176647"/>
+        <p14:creationId xmlns:p14="http://schemas.microsoft.com/office/powerpoint/2010/main" val="4096763439"/>
       </p:ext>
     </p:extLst>
   </p:cSld>
@@ -4534,13 +4514,8 @@
             <a:pPr lvl="1"/>
             <a:r>
               <a:rPr lang="en-US" sz="2800" dirty="0" smtClean="0"/>
-              <a:t>Must be partitioned when generating features due to memory </a:t>
-            </a:r>
-            <a:r>
-              <a:rPr lang="en-US" sz="2800" dirty="0" smtClean="0"/>
-              <a:t>constraints</a:t>
-            </a:r>
-            <a:endParaRPr lang="en-US" sz="2800" dirty="0" smtClean="0"/>
+              <a:t>Must be partitioned when generating features due to memory constraints</a:t>
+            </a:r>
           </a:p>
           <a:p>
             <a:pPr lvl="1"/>

--- a/milestone/Epileptic Seizure Prediction Mile Stone Presentation.pptx
+++ b/milestone/Epileptic Seizure Prediction Mile Stone Presentation.pptx
@@ -5,7 +5,7 @@
     <p:sldMasterId id="2147483798" r:id="rId1"/>
   </p:sldMasterIdLst>
   <p:notesMasterIdLst>
-    <p:notesMasterId r:id="rId18"/>
+    <p:notesMasterId r:id="rId21"/>
   </p:notesMasterIdLst>
   <p:sldIdLst>
     <p:sldId id="258" r:id="rId2"/>
@@ -19,11 +19,14 @@
     <p:sldId id="274" r:id="rId10"/>
     <p:sldId id="271" r:id="rId11"/>
     <p:sldId id="264" r:id="rId12"/>
-    <p:sldId id="275" r:id="rId13"/>
-    <p:sldId id="276" r:id="rId14"/>
-    <p:sldId id="269" r:id="rId15"/>
-    <p:sldId id="272" r:id="rId16"/>
-    <p:sldId id="266" r:id="rId17"/>
+    <p:sldId id="279" r:id="rId13"/>
+    <p:sldId id="275" r:id="rId14"/>
+    <p:sldId id="276" r:id="rId15"/>
+    <p:sldId id="277" r:id="rId16"/>
+    <p:sldId id="278" r:id="rId17"/>
+    <p:sldId id="269" r:id="rId18"/>
+    <p:sldId id="272" r:id="rId19"/>
+    <p:sldId id="266" r:id="rId20"/>
   </p:sldIdLst>
   <p:sldSz cx="12192000" cy="6858000"/>
   <p:notesSz cx="6858000" cy="9144000"/>
@@ -4080,17 +4083,30 @@
             </a:r>
             <a:r>
               <a:rPr lang="en-US" sz="3200" dirty="0" smtClean="0"/>
-              <a:t> </a:t>
-            </a:r>
+              <a:t>, Dense,  Neural Network</a:t>
+            </a:r>
+            <a:endParaRPr lang="en-US" sz="3200" dirty="0" smtClean="0"/>
+          </a:p>
+          <a:p>
+            <a:r>
+              <a:rPr lang="en-US" sz="3200" dirty="0" err="1" smtClean="0"/>
+              <a:t>Backpropagation</a:t>
+            </a:r>
+            <a:endParaRPr lang="en-US" sz="3200" dirty="0" smtClean="0"/>
+          </a:p>
+          <a:p>
             <a:r>
               <a:rPr lang="en-US" sz="3200" dirty="0" smtClean="0"/>
-              <a:t>Neural Network</a:t>
-            </a:r>
+              <a:t>Logistic Sigmoid Activation Function</a:t>
+            </a:r>
+          </a:p>
+          <a:p>
+            <a:endParaRPr lang="en-US" sz="3200" dirty="0" smtClean="0"/>
           </a:p>
           <a:p>
             <a:r>
               <a:rPr lang="en-US" sz="3200" dirty="0" smtClean="0"/>
-              <a:t>Multi-layer perceptron using back-propagation of error</a:t>
+              <a:t>Positive Tests on XOR function</a:t>
             </a:r>
             <a:endParaRPr lang="en-US" sz="3200" dirty="0"/>
           </a:p>
@@ -4119,6 +4135,36 @@
           </a:p>
         </p:txBody>
       </p:sp>
+      <p:pic>
+        <p:nvPicPr>
+          <p:cNvPr id="5" name="Picture 4"/>
+          <p:cNvPicPr>
+            <a:picLocks noChangeAspect="1"/>
+          </p:cNvPicPr>
+          <p:nvPr/>
+        </p:nvPicPr>
+        <p:blipFill>
+          <a:blip r:embed="rId2" cstate="print">
+            <a:extLst>
+              <a:ext uri="{28A0092B-C50C-407E-A947-70E740481C1C}">
+                <a14:useLocalDpi xmlns:a14="http://schemas.microsoft.com/office/drawing/2010/main" val="0"/>
+              </a:ext>
+            </a:extLst>
+          </a:blip>
+          <a:stretch>
+            <a:fillRect/>
+          </a:stretch>
+        </p:blipFill>
+        <p:spPr>
+          <a:xfrm>
+            <a:off x="7735910" y="2571295"/>
+            <a:ext cx="4456090" cy="2126918"/>
+          </a:xfrm>
+          <a:prstGeom prst="rect">
+            <a:avLst/>
+          </a:prstGeom>
+        </p:spPr>
+      </p:pic>
     </p:spTree>
     <p:extLst>
       <p:ext uri="{BB962C8B-B14F-4D97-AF65-F5344CB8AC3E}">
@@ -4151,34 +4197,36 @@
       </p:grpSpPr>
       <p:sp>
         <p:nvSpPr>
-          <p:cNvPr id="2" name="Slide Number Placeholder 1"/>
-          <p:cNvSpPr>
-            <a:spLocks noGrp="1"/>
-          </p:cNvSpPr>
-          <p:nvPr>
-            <p:ph type="sldNum" sz="quarter" idx="12"/>
-          </p:nvPr>
-        </p:nvSpPr>
-        <p:spPr/>
-        <p:txBody>
-          <a:bodyPr/>
-          <a:lstStyle/>
-          <a:p>
-            <a:fld id="{DE274747-5511-48A3-8736-433509E53D35}" type="slidenum">
-              <a:rPr lang="en-US" smtClean="0"/>
-              <a:t>12</a:t>
-            </a:fld>
-            <a:endParaRPr lang="en-US"/>
+          <p:cNvPr id="2" name="Title 1"/>
+          <p:cNvSpPr>
+            <a:spLocks noGrp="1"/>
+          </p:cNvSpPr>
+          <p:nvPr>
+            <p:ph type="title"/>
+          </p:nvPr>
+        </p:nvSpPr>
+        <p:spPr/>
+        <p:txBody>
+          <a:bodyPr/>
+          <a:lstStyle/>
+          <a:p>
+            <a:r>
+              <a:rPr lang="en-US" dirty="0" smtClean="0"/>
+              <a:t>Neural Network</a:t>
+            </a:r>
+            <a:endParaRPr lang="en-US" dirty="0"/>
           </a:p>
         </p:txBody>
       </p:sp>
       <p:pic>
         <p:nvPicPr>
-          <p:cNvPr id="3" name="Picture 2"/>
+          <p:cNvPr id="5" name="Content Placeholder 4"/>
           <p:cNvPicPr>
-            <a:picLocks noChangeAspect="1"/>
+            <a:picLocks noGrp="1" noChangeAspect="1"/>
           </p:cNvPicPr>
-          <p:nvPr/>
+          <p:nvPr>
+            <p:ph idx="1"/>
+          </p:nvPr>
         </p:nvPicPr>
         <p:blipFill>
           <a:blip r:embed="rId2">
@@ -4194,18 +4242,38 @@
         </p:blipFill>
         <p:spPr>
           <a:xfrm>
-            <a:off x="0" y="519342"/>
-            <a:ext cx="12192000" cy="5819315"/>
+            <a:off x="2188393" y="2653048"/>
+            <a:ext cx="7813132" cy="2457652"/>
           </a:xfrm>
-          <a:prstGeom prst="rect">
-            <a:avLst/>
-          </a:prstGeom>
         </p:spPr>
       </p:pic>
+      <p:sp>
+        <p:nvSpPr>
+          <p:cNvPr id="4" name="Slide Number Placeholder 3"/>
+          <p:cNvSpPr>
+            <a:spLocks noGrp="1"/>
+          </p:cNvSpPr>
+          <p:nvPr>
+            <p:ph type="sldNum" sz="quarter" idx="12"/>
+          </p:nvPr>
+        </p:nvSpPr>
+        <p:spPr/>
+        <p:txBody>
+          <a:bodyPr/>
+          <a:lstStyle/>
+          <a:p>
+            <a:fld id="{DE274747-5511-48A3-8736-433509E53D35}" type="slidenum">
+              <a:rPr lang="en-US" smtClean="0"/>
+              <a:t>12</a:t>
+            </a:fld>
+            <a:endParaRPr lang="en-US"/>
+          </a:p>
+        </p:txBody>
+      </p:sp>
     </p:spTree>
     <p:extLst>
       <p:ext uri="{BB962C8B-B14F-4D97-AF65-F5344CB8AC3E}">
-        <p14:creationId xmlns:p14="http://schemas.microsoft.com/office/powerpoint/2010/main" val="1322923959"/>
+        <p14:creationId xmlns:p14="http://schemas.microsoft.com/office/powerpoint/2010/main" val="2259521518"/>
       </p:ext>
     </p:extLst>
   </p:cSld>
@@ -4257,7 +4325,7 @@
       </p:sp>
       <p:pic>
         <p:nvPicPr>
-          <p:cNvPr id="3" name="Picture 2"/>
+          <p:cNvPr id="4" name="Picture 3"/>
           <p:cNvPicPr>
             <a:picLocks noChangeAspect="1"/>
           </p:cNvPicPr>
@@ -4277,8 +4345,8 @@
         </p:blipFill>
         <p:spPr>
           <a:xfrm>
-            <a:off x="2373926" y="637444"/>
-            <a:ext cx="7444149" cy="5583112"/>
+            <a:off x="-1" y="519342"/>
+            <a:ext cx="12192001" cy="5819314"/>
           </a:xfrm>
           <a:prstGeom prst="rect">
             <a:avLst/>
@@ -4288,7 +4356,7 @@
     </p:spTree>
     <p:extLst>
       <p:ext uri="{BB962C8B-B14F-4D97-AF65-F5344CB8AC3E}">
-        <p14:creationId xmlns:p14="http://schemas.microsoft.com/office/powerpoint/2010/main" val="778385909"/>
+        <p14:creationId xmlns:p14="http://schemas.microsoft.com/office/powerpoint/2010/main" val="1322923959"/>
       </p:ext>
     </p:extLst>
   </p:cSld>
@@ -4317,91 +4385,7 @@
       </p:grpSpPr>
       <p:sp>
         <p:nvSpPr>
-          <p:cNvPr id="2" name="Title 1"/>
-          <p:cNvSpPr>
-            <a:spLocks noGrp="1"/>
-          </p:cNvSpPr>
-          <p:nvPr>
-            <p:ph type="title"/>
-          </p:nvPr>
-        </p:nvSpPr>
-        <p:spPr/>
-        <p:txBody>
-          <a:bodyPr/>
-          <a:lstStyle/>
-          <a:p>
-            <a:r>
-              <a:rPr lang="en-US" dirty="0" smtClean="0"/>
-              <a:t>Judge of Quality</a:t>
-            </a:r>
-            <a:endParaRPr lang="en-US" dirty="0"/>
-          </a:p>
-        </p:txBody>
-      </p:sp>
-      <p:sp>
-        <p:nvSpPr>
-          <p:cNvPr id="3" name="Content Placeholder 2"/>
-          <p:cNvSpPr>
-            <a:spLocks noGrp="1"/>
-          </p:cNvSpPr>
-          <p:nvPr>
-            <p:ph idx="1"/>
-          </p:nvPr>
-        </p:nvSpPr>
-        <p:spPr/>
-        <p:txBody>
-          <a:bodyPr>
-            <a:normAutofit/>
-          </a:bodyPr>
-          <a:lstStyle/>
-          <a:p>
-            <a:r>
-              <a:rPr lang="en-US" sz="3600" dirty="0" smtClean="0"/>
-              <a:t>Sensitivity: how many </a:t>
-            </a:r>
-            <a:r>
-              <a:rPr lang="en-US" sz="3600" dirty="0" err="1" smtClean="0"/>
-              <a:t>preictal</a:t>
-            </a:r>
-            <a:r>
-              <a:rPr lang="en-US" sz="3600" dirty="0" smtClean="0"/>
-              <a:t> segments can we correctly classify?</a:t>
-            </a:r>
-          </a:p>
-          <a:p>
-            <a:pPr lvl="1"/>
-            <a:r>
-              <a:rPr lang="en-US" sz="3600" dirty="0" smtClean="0"/>
-              <a:t>maximize</a:t>
-            </a:r>
-          </a:p>
-          <a:p>
-            <a:r>
-              <a:rPr lang="en-US" sz="3600" dirty="0" smtClean="0"/>
-              <a:t>False Positive Rate: how many </a:t>
-            </a:r>
-            <a:r>
-              <a:rPr lang="en-US" sz="3600" dirty="0" err="1" smtClean="0"/>
-              <a:t>interictal</a:t>
-            </a:r>
-            <a:r>
-              <a:rPr lang="en-US" sz="3600" dirty="0" smtClean="0"/>
-              <a:t> segments are incorrectly classified?</a:t>
-            </a:r>
-          </a:p>
-          <a:p>
-            <a:pPr lvl="1"/>
-            <a:r>
-              <a:rPr lang="en-US" sz="3600" dirty="0" smtClean="0"/>
-              <a:t>minimize</a:t>
-            </a:r>
-            <a:endParaRPr lang="en-US" sz="3600" dirty="0"/>
-          </a:p>
-        </p:txBody>
-      </p:sp>
-      <p:sp>
-        <p:nvSpPr>
-          <p:cNvPr id="4" name="Slide Number Placeholder 3"/>
+          <p:cNvPr id="2" name="Slide Number Placeholder 1"/>
           <p:cNvSpPr>
             <a:spLocks noGrp="1"/>
           </p:cNvSpPr>
@@ -4422,10 +4406,40 @@
           </a:p>
         </p:txBody>
       </p:sp>
+      <p:pic>
+        <p:nvPicPr>
+          <p:cNvPr id="4" name="Picture 3"/>
+          <p:cNvPicPr>
+            <a:picLocks noChangeAspect="1"/>
+          </p:cNvPicPr>
+          <p:nvPr/>
+        </p:nvPicPr>
+        <p:blipFill>
+          <a:blip r:embed="rId2">
+            <a:extLst>
+              <a:ext uri="{28A0092B-C50C-407E-A947-70E740481C1C}">
+                <a14:useLocalDpi xmlns:a14="http://schemas.microsoft.com/office/drawing/2010/main" val="0"/>
+              </a:ext>
+            </a:extLst>
+          </a:blip>
+          <a:stretch>
+            <a:fillRect/>
+          </a:stretch>
+        </p:blipFill>
+        <p:spPr>
+          <a:xfrm>
+            <a:off x="1524001" y="1"/>
+            <a:ext cx="9010917" cy="6758188"/>
+          </a:xfrm>
+          <a:prstGeom prst="rect">
+            <a:avLst/>
+          </a:prstGeom>
+        </p:spPr>
+      </p:pic>
     </p:spTree>
     <p:extLst>
       <p:ext uri="{BB962C8B-B14F-4D97-AF65-F5344CB8AC3E}">
-        <p14:creationId xmlns:p14="http://schemas.microsoft.com/office/powerpoint/2010/main" val="4096763439"/>
+        <p14:creationId xmlns:p14="http://schemas.microsoft.com/office/powerpoint/2010/main" val="778385909"/>
       </p:ext>
     </p:extLst>
   </p:cSld>
@@ -4469,7 +4483,7 @@
           <a:p>
             <a:r>
               <a:rPr lang="en-US" dirty="0" smtClean="0"/>
-              <a:t>Limitations</a:t>
+              <a:t>Neural Network next steps</a:t>
             </a:r>
             <a:endParaRPr lang="en-US" dirty="0"/>
           </a:p>
@@ -4487,49 +4501,41 @@
         </p:nvSpPr>
         <p:spPr/>
         <p:txBody>
-          <a:bodyPr>
-            <a:normAutofit/>
-          </a:bodyPr>
-          <a:lstStyle/>
-          <a:p>
-            <a:r>
-              <a:rPr lang="en-US" sz="2800" dirty="0" smtClean="0"/>
-              <a:t>Current features do a poor job of handling multiple channels, do not cross-correlate any channels</a:t>
-            </a:r>
-          </a:p>
-          <a:p>
-            <a:r>
-              <a:rPr lang="en-US" sz="2800" dirty="0" smtClean="0"/>
-              <a:t>Initial dataset is huge</a:t>
-            </a:r>
-          </a:p>
-          <a:p>
-            <a:pPr lvl="1"/>
-            <a:r>
-              <a:rPr lang="en-US" sz="2800" dirty="0" smtClean="0"/>
-              <a:t>Takes ~25 minutes to load on smallest dog</a:t>
-            </a:r>
-          </a:p>
-          <a:p>
-            <a:pPr lvl="1"/>
-            <a:r>
-              <a:rPr lang="en-US" sz="2800" dirty="0" smtClean="0"/>
-              <a:t>Must be partitioned when generating features due to memory constraints</a:t>
-            </a:r>
-          </a:p>
-          <a:p>
-            <a:pPr lvl="1"/>
-            <a:r>
-              <a:rPr lang="en-US" sz="2800" dirty="0" smtClean="0"/>
-              <a:t>Storage is difficult</a:t>
-            </a:r>
-          </a:p>
-          <a:p>
-            <a:r>
-              <a:rPr lang="en-US" sz="2800" dirty="0" smtClean="0"/>
-              <a:t>Seeding of neural network is basic</a:t>
-            </a:r>
-            <a:endParaRPr lang="en-US" sz="2800" dirty="0"/>
+          <a:bodyPr/>
+          <a:lstStyle/>
+          <a:p>
+            <a:endParaRPr lang="en-US" dirty="0" smtClean="0"/>
+          </a:p>
+          <a:p>
+            <a:r>
+              <a:rPr lang="en-US" sz="3200" dirty="0" smtClean="0"/>
+              <a:t>Finalize Feature selection</a:t>
+            </a:r>
+          </a:p>
+          <a:p>
+            <a:r>
+              <a:rPr lang="en-US" sz="3200" dirty="0" smtClean="0"/>
+              <a:t>Learning Rate selection</a:t>
+            </a:r>
+          </a:p>
+          <a:p>
+            <a:r>
+              <a:rPr lang="en-US" sz="3200" dirty="0" smtClean="0"/>
+              <a:t>Seeding Function to reliably initialize the network</a:t>
+            </a:r>
+          </a:p>
+          <a:p>
+            <a:r>
+              <a:rPr lang="en-US" sz="3200" dirty="0" smtClean="0"/>
+              <a:t>Pruning Method to optimize performance</a:t>
+            </a:r>
+          </a:p>
+          <a:p>
+            <a:r>
+              <a:rPr lang="en-US" sz="3200" smtClean="0"/>
+              <a:t>Experiment with Recurrent Networks</a:t>
+            </a:r>
+            <a:endParaRPr lang="en-US" sz="3200" dirty="0" smtClean="0"/>
           </a:p>
         </p:txBody>
       </p:sp>
@@ -4559,7 +4565,7 @@
     </p:spTree>
     <p:extLst>
       <p:ext uri="{BB962C8B-B14F-4D97-AF65-F5344CB8AC3E}">
-        <p14:creationId xmlns:p14="http://schemas.microsoft.com/office/powerpoint/2010/main" val="3402098447"/>
+        <p14:creationId xmlns:p14="http://schemas.microsoft.com/office/powerpoint/2010/main" val="1444465673"/>
       </p:ext>
     </p:extLst>
   </p:cSld>
@@ -4588,6 +4594,360 @@
       </p:grpSpPr>
       <p:sp>
         <p:nvSpPr>
+          <p:cNvPr id="2" name="Slide Number Placeholder 1"/>
+          <p:cNvSpPr>
+            <a:spLocks noGrp="1"/>
+          </p:cNvSpPr>
+          <p:nvPr>
+            <p:ph type="sldNum" sz="quarter" idx="12"/>
+          </p:nvPr>
+        </p:nvSpPr>
+        <p:spPr/>
+        <p:txBody>
+          <a:bodyPr/>
+          <a:lstStyle/>
+          <a:p>
+            <a:fld id="{DE274747-5511-48A3-8736-433509E53D35}" type="slidenum">
+              <a:rPr lang="en-US" smtClean="0"/>
+              <a:t>16</a:t>
+            </a:fld>
+            <a:endParaRPr lang="en-US"/>
+          </a:p>
+        </p:txBody>
+      </p:sp>
+      <p:pic>
+        <p:nvPicPr>
+          <p:cNvPr id="3" name="Picture 2"/>
+          <p:cNvPicPr>
+            <a:picLocks noChangeAspect="1"/>
+          </p:cNvPicPr>
+          <p:nvPr/>
+        </p:nvPicPr>
+        <p:blipFill>
+          <a:blip r:embed="rId2">
+            <a:extLst>
+              <a:ext uri="{28A0092B-C50C-407E-A947-70E740481C1C}">
+                <a14:useLocalDpi xmlns:a14="http://schemas.microsoft.com/office/drawing/2010/main" val="0"/>
+              </a:ext>
+            </a:extLst>
+          </a:blip>
+          <a:stretch>
+            <a:fillRect/>
+          </a:stretch>
+        </p:blipFill>
+        <p:spPr>
+          <a:xfrm>
+            <a:off x="3182154" y="0"/>
+            <a:ext cx="5827691" cy="6858000"/>
+          </a:xfrm>
+          <a:prstGeom prst="rect">
+            <a:avLst/>
+          </a:prstGeom>
+        </p:spPr>
+      </p:pic>
+    </p:spTree>
+    <p:extLst>
+      <p:ext uri="{BB962C8B-B14F-4D97-AF65-F5344CB8AC3E}">
+        <p14:creationId xmlns:p14="http://schemas.microsoft.com/office/powerpoint/2010/main" val="2600218543"/>
+      </p:ext>
+    </p:extLst>
+  </p:cSld>
+  <p:clrMapOvr>
+    <a:masterClrMapping/>
+  </p:clrMapOvr>
+</p:sld>
+</file>
+
+<file path=ppt/slides/slide17.xml><?xml version="1.0" encoding="utf-8"?>
+<p:sld xmlns:a="http://schemas.openxmlformats.org/drawingml/2006/main" xmlns:r="http://schemas.openxmlformats.org/officeDocument/2006/relationships" xmlns:p="http://schemas.openxmlformats.org/presentationml/2006/main">
+  <p:cSld>
+    <p:spTree>
+      <p:nvGrpSpPr>
+        <p:cNvPr id="1" name=""/>
+        <p:cNvGrpSpPr/>
+        <p:nvPr/>
+      </p:nvGrpSpPr>
+      <p:grpSpPr>
+        <a:xfrm>
+          <a:off x="0" y="0"/>
+          <a:ext cx="0" cy="0"/>
+          <a:chOff x="0" y="0"/>
+          <a:chExt cx="0" cy="0"/>
+        </a:xfrm>
+      </p:grpSpPr>
+      <p:sp>
+        <p:nvSpPr>
+          <p:cNvPr id="2" name="Title 1"/>
+          <p:cNvSpPr>
+            <a:spLocks noGrp="1"/>
+          </p:cNvSpPr>
+          <p:nvPr>
+            <p:ph type="title"/>
+          </p:nvPr>
+        </p:nvSpPr>
+        <p:spPr/>
+        <p:txBody>
+          <a:bodyPr/>
+          <a:lstStyle/>
+          <a:p>
+            <a:r>
+              <a:rPr lang="en-US" dirty="0" smtClean="0"/>
+              <a:t>Judge of Quality</a:t>
+            </a:r>
+            <a:endParaRPr lang="en-US" dirty="0"/>
+          </a:p>
+        </p:txBody>
+      </p:sp>
+      <p:sp>
+        <p:nvSpPr>
+          <p:cNvPr id="3" name="Content Placeholder 2"/>
+          <p:cNvSpPr>
+            <a:spLocks noGrp="1"/>
+          </p:cNvSpPr>
+          <p:nvPr>
+            <p:ph idx="1"/>
+          </p:nvPr>
+        </p:nvSpPr>
+        <p:spPr/>
+        <p:txBody>
+          <a:bodyPr>
+            <a:normAutofit/>
+          </a:bodyPr>
+          <a:lstStyle/>
+          <a:p>
+            <a:r>
+              <a:rPr lang="en-US" sz="3600" dirty="0" smtClean="0"/>
+              <a:t>Sensitivity: how many </a:t>
+            </a:r>
+            <a:r>
+              <a:rPr lang="en-US" sz="3600" dirty="0" err="1" smtClean="0"/>
+              <a:t>preictal</a:t>
+            </a:r>
+            <a:r>
+              <a:rPr lang="en-US" sz="3600" dirty="0" smtClean="0"/>
+              <a:t> segments can we correctly classify?</a:t>
+            </a:r>
+          </a:p>
+          <a:p>
+            <a:pPr lvl="1"/>
+            <a:r>
+              <a:rPr lang="en-US" sz="3600" dirty="0" smtClean="0"/>
+              <a:t>maximize</a:t>
+            </a:r>
+          </a:p>
+          <a:p>
+            <a:r>
+              <a:rPr lang="en-US" sz="3600" dirty="0" smtClean="0"/>
+              <a:t>False Positive Rate: how many </a:t>
+            </a:r>
+            <a:r>
+              <a:rPr lang="en-US" sz="3600" dirty="0" err="1" smtClean="0"/>
+              <a:t>interictal</a:t>
+            </a:r>
+            <a:r>
+              <a:rPr lang="en-US" sz="3600" dirty="0" smtClean="0"/>
+              <a:t> segments are incorrectly classified?</a:t>
+            </a:r>
+          </a:p>
+          <a:p>
+            <a:pPr lvl="1"/>
+            <a:r>
+              <a:rPr lang="en-US" sz="3600" dirty="0" smtClean="0"/>
+              <a:t>minimize</a:t>
+            </a:r>
+            <a:endParaRPr lang="en-US" sz="3600" dirty="0"/>
+          </a:p>
+        </p:txBody>
+      </p:sp>
+      <p:sp>
+        <p:nvSpPr>
+          <p:cNvPr id="4" name="Slide Number Placeholder 3"/>
+          <p:cNvSpPr>
+            <a:spLocks noGrp="1"/>
+          </p:cNvSpPr>
+          <p:nvPr>
+            <p:ph type="sldNum" sz="quarter" idx="12"/>
+          </p:nvPr>
+        </p:nvSpPr>
+        <p:spPr/>
+        <p:txBody>
+          <a:bodyPr/>
+          <a:lstStyle/>
+          <a:p>
+            <a:fld id="{DE274747-5511-48A3-8736-433509E53D35}" type="slidenum">
+              <a:rPr lang="en-US" smtClean="0"/>
+              <a:t>17</a:t>
+            </a:fld>
+            <a:endParaRPr lang="en-US"/>
+          </a:p>
+        </p:txBody>
+      </p:sp>
+    </p:spTree>
+    <p:extLst>
+      <p:ext uri="{BB962C8B-B14F-4D97-AF65-F5344CB8AC3E}">
+        <p14:creationId xmlns:p14="http://schemas.microsoft.com/office/powerpoint/2010/main" val="4096763439"/>
+      </p:ext>
+    </p:extLst>
+  </p:cSld>
+  <p:clrMapOvr>
+    <a:masterClrMapping/>
+  </p:clrMapOvr>
+</p:sld>
+</file>
+
+<file path=ppt/slides/slide18.xml><?xml version="1.0" encoding="utf-8"?>
+<p:sld xmlns:a="http://schemas.openxmlformats.org/drawingml/2006/main" xmlns:r="http://schemas.openxmlformats.org/officeDocument/2006/relationships" xmlns:p="http://schemas.openxmlformats.org/presentationml/2006/main">
+  <p:cSld>
+    <p:spTree>
+      <p:nvGrpSpPr>
+        <p:cNvPr id="1" name=""/>
+        <p:cNvGrpSpPr/>
+        <p:nvPr/>
+      </p:nvGrpSpPr>
+      <p:grpSpPr>
+        <a:xfrm>
+          <a:off x="0" y="0"/>
+          <a:ext cx="0" cy="0"/>
+          <a:chOff x="0" y="0"/>
+          <a:chExt cx="0" cy="0"/>
+        </a:xfrm>
+      </p:grpSpPr>
+      <p:sp>
+        <p:nvSpPr>
+          <p:cNvPr id="2" name="Title 1"/>
+          <p:cNvSpPr>
+            <a:spLocks noGrp="1"/>
+          </p:cNvSpPr>
+          <p:nvPr>
+            <p:ph type="title"/>
+          </p:nvPr>
+        </p:nvSpPr>
+        <p:spPr/>
+        <p:txBody>
+          <a:bodyPr/>
+          <a:lstStyle/>
+          <a:p>
+            <a:r>
+              <a:rPr lang="en-US" dirty="0" smtClean="0"/>
+              <a:t>Limitations</a:t>
+            </a:r>
+            <a:endParaRPr lang="en-US" dirty="0"/>
+          </a:p>
+        </p:txBody>
+      </p:sp>
+      <p:sp>
+        <p:nvSpPr>
+          <p:cNvPr id="3" name="Content Placeholder 2"/>
+          <p:cNvSpPr>
+            <a:spLocks noGrp="1"/>
+          </p:cNvSpPr>
+          <p:nvPr>
+            <p:ph idx="1"/>
+          </p:nvPr>
+        </p:nvSpPr>
+        <p:spPr/>
+        <p:txBody>
+          <a:bodyPr>
+            <a:normAutofit/>
+          </a:bodyPr>
+          <a:lstStyle/>
+          <a:p>
+            <a:r>
+              <a:rPr lang="en-US" sz="2800" dirty="0" smtClean="0"/>
+              <a:t>Current features do a poor job of handling multiple channels, do not cross-correlate any channels</a:t>
+            </a:r>
+          </a:p>
+          <a:p>
+            <a:r>
+              <a:rPr lang="en-US" sz="2800" dirty="0" smtClean="0"/>
+              <a:t>Initial dataset is huge</a:t>
+            </a:r>
+          </a:p>
+          <a:p>
+            <a:pPr lvl="1"/>
+            <a:r>
+              <a:rPr lang="en-US" sz="2800" dirty="0" smtClean="0"/>
+              <a:t>Takes ~25 minutes to load on smallest dog</a:t>
+            </a:r>
+          </a:p>
+          <a:p>
+            <a:pPr lvl="1"/>
+            <a:r>
+              <a:rPr lang="en-US" sz="2800" dirty="0" smtClean="0"/>
+              <a:t>Must be partitioned when generating features due to memory constraints</a:t>
+            </a:r>
+          </a:p>
+          <a:p>
+            <a:pPr lvl="1"/>
+            <a:r>
+              <a:rPr lang="en-US" sz="2800" dirty="0" smtClean="0"/>
+              <a:t>Storage is difficult</a:t>
+            </a:r>
+          </a:p>
+          <a:p>
+            <a:r>
+              <a:rPr lang="en-US" sz="2800" dirty="0" smtClean="0"/>
+              <a:t>Seeding of neural network is basic</a:t>
+            </a:r>
+            <a:endParaRPr lang="en-US" sz="2800" dirty="0"/>
+          </a:p>
+        </p:txBody>
+      </p:sp>
+      <p:sp>
+        <p:nvSpPr>
+          <p:cNvPr id="4" name="Slide Number Placeholder 3"/>
+          <p:cNvSpPr>
+            <a:spLocks noGrp="1"/>
+          </p:cNvSpPr>
+          <p:nvPr>
+            <p:ph type="sldNum" sz="quarter" idx="12"/>
+          </p:nvPr>
+        </p:nvSpPr>
+        <p:spPr/>
+        <p:txBody>
+          <a:bodyPr/>
+          <a:lstStyle/>
+          <a:p>
+            <a:fld id="{DE274747-5511-48A3-8736-433509E53D35}" type="slidenum">
+              <a:rPr lang="en-US" smtClean="0"/>
+              <a:t>18</a:t>
+            </a:fld>
+            <a:endParaRPr lang="en-US"/>
+          </a:p>
+        </p:txBody>
+      </p:sp>
+    </p:spTree>
+    <p:extLst>
+      <p:ext uri="{BB962C8B-B14F-4D97-AF65-F5344CB8AC3E}">
+        <p14:creationId xmlns:p14="http://schemas.microsoft.com/office/powerpoint/2010/main" val="3402098447"/>
+      </p:ext>
+    </p:extLst>
+  </p:cSld>
+  <p:clrMapOvr>
+    <a:masterClrMapping/>
+  </p:clrMapOvr>
+</p:sld>
+</file>
+
+<file path=ppt/slides/slide19.xml><?xml version="1.0" encoding="utf-8"?>
+<p:sld xmlns:a="http://schemas.openxmlformats.org/drawingml/2006/main" xmlns:r="http://schemas.openxmlformats.org/officeDocument/2006/relationships" xmlns:p="http://schemas.openxmlformats.org/presentationml/2006/main">
+  <p:cSld>
+    <p:spTree>
+      <p:nvGrpSpPr>
+        <p:cNvPr id="1" name=""/>
+        <p:cNvGrpSpPr/>
+        <p:nvPr/>
+      </p:nvGrpSpPr>
+      <p:grpSpPr>
+        <a:xfrm>
+          <a:off x="0" y="0"/>
+          <a:ext cx="0" cy="0"/>
+          <a:chOff x="0" y="0"/>
+          <a:chExt cx="0" cy="0"/>
+        </a:xfrm>
+      </p:grpSpPr>
+      <p:sp>
+        <p:nvSpPr>
           <p:cNvPr id="2" name="Title 1"/>
           <p:cNvSpPr>
             <a:spLocks noGrp="1"/>
@@ -4755,7 +5115,7 @@
           <a:p>
             <a:fld id="{DE274747-5511-48A3-8736-433509E53D35}" type="slidenum">
               <a:rPr lang="en-US" smtClean="0"/>
-              <a:t>16</a:t>
+              <a:t>19</a:t>
             </a:fld>
             <a:endParaRPr lang="en-US"/>
           </a:p>

--- a/milestone/Epileptic Seizure Prediction Mile Stone Presentation.pptx
+++ b/milestone/Epileptic Seizure Prediction Mile Stone Presentation.pptx
@@ -4085,7 +4085,6 @@
               <a:rPr lang="en-US" sz="3200" dirty="0" smtClean="0"/>
               <a:t>, Dense,  Neural Network</a:t>
             </a:r>
-            <a:endParaRPr lang="en-US" sz="3200" dirty="0" smtClean="0"/>
           </a:p>
           <a:p>
             <a:r>

--- a/milestone/Epileptic Seizure Prediction Mile Stone Presentation.pptx
+++ b/milestone/Epileptic Seizure Prediction Mile Stone Presentation.pptx
@@ -215,7 +215,7 @@
           <a:p>
             <a:fld id="{13BC9EFF-03FA-4E49-8EBC-CB31F1BDD1FD}" type="datetimeFigureOut">
               <a:rPr lang="en-US" smtClean="0"/>
-              <a:t>10/27/2014</a:t>
+              <a:t>10/28/2014</a:t>
             </a:fld>
             <a:endParaRPr lang="en-US"/>
           </a:p>
@@ -743,7 +743,7 @@
           <a:p>
             <a:fld id="{E0F39512-80BE-4684-B50E-AA8CBBEB6411}" type="datetime1">
               <a:rPr lang="en-US" smtClean="0"/>
-              <a:t>10/27/2014</a:t>
+              <a:t>10/28/2014</a:t>
             </a:fld>
             <a:endParaRPr lang="en-US"/>
           </a:p>
@@ -913,7 +913,7 @@
           <a:p>
             <a:fld id="{4FE7B91A-6E28-435A-BAD8-9769FAA0794D}" type="datetime1">
               <a:rPr lang="en-US" smtClean="0"/>
-              <a:t>10/27/2014</a:t>
+              <a:t>10/28/2014</a:t>
             </a:fld>
             <a:endParaRPr lang="en-US"/>
           </a:p>
@@ -1136,7 +1136,7 @@
           <a:p>
             <a:fld id="{9502BDEB-F55D-4018-BC84-C800CAA54851}" type="datetime1">
               <a:rPr lang="en-US" smtClean="0"/>
-              <a:t>10/27/2014</a:t>
+              <a:t>10/28/2014</a:t>
             </a:fld>
             <a:endParaRPr lang="en-US"/>
           </a:p>
@@ -1316,7 +1316,7 @@
           <a:p>
             <a:fld id="{56CD71B1-0BC6-41A6-816E-6139441584D7}" type="datetime1">
               <a:rPr lang="en-US" smtClean="0"/>
-              <a:t>10/27/2014</a:t>
+              <a:t>10/28/2014</a:t>
             </a:fld>
             <a:endParaRPr lang="en-US"/>
           </a:p>
@@ -1617,7 +1617,7 @@
           <a:p>
             <a:fld id="{ACC09AF0-A991-4E6E-AE35-8440A5B26C30}" type="datetime1">
               <a:rPr lang="en-US" smtClean="0"/>
-              <a:t>10/27/2014</a:t>
+              <a:t>10/28/2014</a:t>
             </a:fld>
             <a:endParaRPr lang="en-US"/>
           </a:p>
@@ -1921,7 +1921,7 @@
           <a:p>
             <a:fld id="{57BDDD9D-06E9-4F10-9404-6614A0E58CA6}" type="datetime1">
               <a:rPr lang="en-US" smtClean="0"/>
-              <a:t>10/27/2014</a:t>
+              <a:t>10/28/2014</a:t>
             </a:fld>
             <a:endParaRPr lang="en-US"/>
           </a:p>
@@ -2343,7 +2343,7 @@
           <a:p>
             <a:fld id="{C00EF818-D1F0-43A1-BBFE-483DAC8507B7}" type="datetime1">
               <a:rPr lang="en-US" smtClean="0"/>
-              <a:t>10/27/2014</a:t>
+              <a:t>10/28/2014</a:t>
             </a:fld>
             <a:endParaRPr lang="en-US"/>
           </a:p>
@@ -2461,7 +2461,7 @@
           <a:p>
             <a:fld id="{BF87FF4E-0114-42F9-A1F9-C8C12C2D65E6}" type="datetime1">
               <a:rPr lang="en-US" smtClean="0"/>
-              <a:t>10/27/2014</a:t>
+              <a:t>10/28/2014</a:t>
             </a:fld>
             <a:endParaRPr lang="en-US"/>
           </a:p>
@@ -2556,7 +2556,7 @@
           <a:p>
             <a:fld id="{8235F31E-A95A-4ACE-A7B3-DDF4EA92F051}" type="datetime1">
               <a:rPr lang="en-US" smtClean="0"/>
-              <a:t>10/27/2014</a:t>
+              <a:t>10/28/2014</a:t>
             </a:fld>
             <a:endParaRPr lang="en-US"/>
           </a:p>
@@ -2829,7 +2829,7 @@
           <a:p>
             <a:fld id="{2C5C2A78-F15C-480A-9FBA-24DF59B9E5D9}" type="datetime1">
               <a:rPr lang="en-US" smtClean="0"/>
-              <a:t>10/27/2014</a:t>
+              <a:t>10/28/2014</a:t>
             </a:fld>
             <a:endParaRPr lang="en-US"/>
           </a:p>
@@ -3094,7 +3094,7 @@
           <a:p>
             <a:fld id="{00E313FE-467C-4502-8FFA-C1662E15C0A8}" type="datetime1">
               <a:rPr lang="en-US" smtClean="0"/>
-              <a:t>10/27/2014</a:t>
+              <a:t>10/28/2014</a:t>
             </a:fld>
             <a:endParaRPr lang="en-US"/>
           </a:p>
@@ -3343,7 +3343,7 @@
           <a:p>
             <a:fld id="{DDC62013-0883-4074-A9BC-6B2D77A1FECA}" type="datetime1">
               <a:rPr lang="en-US" smtClean="0"/>
-              <a:t>10/27/2014</a:t>
+              <a:t>10/28/2014</a:t>
             </a:fld>
             <a:endParaRPr lang="en-US"/>
           </a:p>
@@ -5243,12 +5243,12 @@
           </a:p>
           <a:p>
             <a:r>
-              <a:rPr lang="en-US" sz="2000" dirty="0"/>
+              <a:rPr lang="en-US" sz="2000"/>
               <a:t>-</a:t>
             </a:r>
             <a:r>
-              <a:rPr lang="en-US" sz="2000" dirty="0" smtClean="0"/>
-              <a:t>Murray </a:t>
+              <a:rPr lang="en-US" sz="2000" smtClean="0"/>
+              <a:t>Murray, </a:t>
             </a:r>
             <a:r>
               <a:rPr lang="en-US" sz="2000" dirty="0"/>
